--- a/Graph database.pptx
+++ b/Graph database.pptx
@@ -2537,14 +2537,14 @@
           </a:ln>
           <a:extLst>
             <a:ext uri="{909E8E84-426E-40dd-AFC4-6F175D3DCCD1}">
-              <a14:hiddenFill xmlns:a14="http://schemas.microsoft.com/office/drawing/2010/main" xmlns="">
+              <a14:hiddenFill xmlns="" xmlns:a14="http://schemas.microsoft.com/office/drawing/2010/main">
                 <a:solidFill>
                   <a:srgbClr val="FFFFFF"/>
                 </a:solidFill>
               </a14:hiddenFill>
             </a:ext>
             <a:ext uri="{91240B29-F687-4f45-9708-019B960494DF}">
-              <a14:hiddenLine xmlns:a14="http://schemas.microsoft.com/office/drawing/2010/main" xmlns="" w="9525">
+              <a14:hiddenLine xmlns="" xmlns:a14="http://schemas.microsoft.com/office/drawing/2010/main" w="9525">
                 <a:solidFill>
                   <a:srgbClr val="000000"/>
                 </a:solidFill>
@@ -3164,14 +3164,14 @@
           </a:ln>
           <a:extLst>
             <a:ext uri="{909E8E84-426E-40dd-AFC4-6F175D3DCCD1}">
-              <a14:hiddenFill xmlns:a14="http://schemas.microsoft.com/office/drawing/2010/main" xmlns="">
+              <a14:hiddenFill xmlns="" xmlns:a14="http://schemas.microsoft.com/office/drawing/2010/main">
                 <a:solidFill>
                   <a:srgbClr val="FFFFFF"/>
                 </a:solidFill>
               </a14:hiddenFill>
             </a:ext>
             <a:ext uri="{91240B29-F687-4f45-9708-019B960494DF}">
-              <a14:hiddenLine xmlns:a14="http://schemas.microsoft.com/office/drawing/2010/main" xmlns="" w="9525">
+              <a14:hiddenLine xmlns="" xmlns:a14="http://schemas.microsoft.com/office/drawing/2010/main" w="9525">
                 <a:solidFill>
                   <a:srgbClr val="000000"/>
                 </a:solidFill>
@@ -3181,7 +3181,7 @@
               </a14:hiddenLine>
             </a:ext>
             <a:ext uri="{FAA26D3D-D897-4be2-8F04-BA451C77F1D7}">
-              <ma14:placeholderFlag xmlns:ma14="http://schemas.microsoft.com/office/mac/drawingml/2011/main" xmlns="" val="1"/>
+              <ma14:placeholderFlag xmlns="" xmlns:ma14="http://schemas.microsoft.com/office/mac/drawingml/2011/main" val="1"/>
             </a:ext>
           </a:extLst>
         </p:spPr>
@@ -3198,8 +3198,12 @@
               <a:defRPr/>
             </a:pPr>
             <a:r>
+              <a:rPr lang="en-US" smtClean="0"/>
+              <a:t>Vince Graph </a:t>
+            </a:r>
+            <a:r>
               <a:rPr lang="en-US" dirty="0"/>
-              <a:t>Graph database </a:t>
+              <a:t>database </a:t>
             </a:r>
             <a:br>
               <a:rPr lang="en-US" dirty="0"/>
